--- a/docs/Prédiction étudiant.pptx
+++ b/docs/Prédiction étudiant.pptx
@@ -7,6 +7,11 @@
   <p:sldIdLst>
     <p:sldId id="256" r:id="rId2"/>
     <p:sldId id="257" r:id="rId3"/>
+    <p:sldId id="260" r:id="rId4"/>
+    <p:sldId id="261" r:id="rId5"/>
+    <p:sldId id="259" r:id="rId6"/>
+    <p:sldId id="262" r:id="rId7"/>
+    <p:sldId id="258" r:id="rId8"/>
   </p:sldIdLst>
   <p:sldSz cx="12192000" cy="6858000"/>
   <p:notesSz cx="6858000" cy="9144000"/>
@@ -105,7 +110,116 @@
       </a:defRPr>
     </a:lvl9pPr>
   </p:defaultTextStyle>
+  <p:extLst>
+    <p:ext uri="{EFAFB233-063F-42B5-8137-9DF3F51BA10A}">
+      <p15:sldGuideLst xmlns:p15="http://schemas.microsoft.com/office/powerpoint/2012/main"/>
+    </p:ext>
+  </p:extLst>
 </p:presentation>
+</file>
+
+<file path=ppt/changesInfos/changesInfo1.xml><?xml version="1.0" encoding="utf-8"?>
+<pc:chgInfo xmlns:a="http://schemas.openxmlformats.org/drawingml/2006/main" xmlns:r="http://schemas.openxmlformats.org/officeDocument/2006/relationships" xmlns:ac="http://schemas.microsoft.com/office/drawing/2013/main/command" xmlns:pc="http://schemas.microsoft.com/office/powerpoint/2013/main/command">
+  <pc:docChgLst>
+    <pc:chgData name="Daniel Bourcier Blake" userId="1f43f700-ed1d-42f0-b765-8f68b4d6f965" providerId="ADAL" clId="{DF2AF9AC-18FA-4262-8DF2-A99287A49EF3}"/>
+    <pc:docChg chg="addSld modSld">
+      <pc:chgData name="Daniel Bourcier Blake" userId="1f43f700-ed1d-42f0-b765-8f68b4d6f965" providerId="ADAL" clId="{DF2AF9AC-18FA-4262-8DF2-A99287A49EF3}" dt="2025-12-03T18:38:39.564" v="81" actId="20577"/>
+      <pc:docMkLst>
+        <pc:docMk/>
+      </pc:docMkLst>
+      <pc:sldChg chg="modSp mod">
+        <pc:chgData name="Daniel Bourcier Blake" userId="1f43f700-ed1d-42f0-b765-8f68b4d6f965" providerId="ADAL" clId="{DF2AF9AC-18FA-4262-8DF2-A99287A49EF3}" dt="2025-12-03T18:30:42.088" v="41" actId="20577"/>
+        <pc:sldMkLst>
+          <pc:docMk/>
+          <pc:sldMk cId="197925552" sldId="257"/>
+        </pc:sldMkLst>
+        <pc:spChg chg="mod">
+          <ac:chgData name="Daniel Bourcier Blake" userId="1f43f700-ed1d-42f0-b765-8f68b4d6f965" providerId="ADAL" clId="{DF2AF9AC-18FA-4262-8DF2-A99287A49EF3}" dt="2025-12-03T18:30:42.088" v="41" actId="20577"/>
+          <ac:spMkLst>
+            <pc:docMk/>
+            <pc:sldMk cId="197925552" sldId="257"/>
+            <ac:spMk id="2" creationId="{C52264D5-D4D7-D6EA-9B4B-7490017730D2}"/>
+          </ac:spMkLst>
+        </pc:spChg>
+      </pc:sldChg>
+      <pc:sldChg chg="modSp new mod">
+        <pc:chgData name="Daniel Bourcier Blake" userId="1f43f700-ed1d-42f0-b765-8f68b4d6f965" providerId="ADAL" clId="{DF2AF9AC-18FA-4262-8DF2-A99287A49EF3}" dt="2025-12-03T18:30:25.023" v="22" actId="20577"/>
+        <pc:sldMkLst>
+          <pc:docMk/>
+          <pc:sldMk cId="2651712627" sldId="258"/>
+        </pc:sldMkLst>
+        <pc:spChg chg="mod">
+          <ac:chgData name="Daniel Bourcier Blake" userId="1f43f700-ed1d-42f0-b765-8f68b4d6f965" providerId="ADAL" clId="{DF2AF9AC-18FA-4262-8DF2-A99287A49EF3}" dt="2025-12-03T18:30:25.023" v="22" actId="20577"/>
+          <ac:spMkLst>
+            <pc:docMk/>
+            <pc:sldMk cId="2651712627" sldId="258"/>
+            <ac:spMk id="2" creationId="{3ACEFEAB-1413-C517-714F-DF0FEAF10E8E}"/>
+          </ac:spMkLst>
+        </pc:spChg>
+      </pc:sldChg>
+      <pc:sldChg chg="modSp new mod">
+        <pc:chgData name="Daniel Bourcier Blake" userId="1f43f700-ed1d-42f0-b765-8f68b4d6f965" providerId="ADAL" clId="{DF2AF9AC-18FA-4262-8DF2-A99287A49EF3}" dt="2025-12-03T18:30:38.344" v="39" actId="20577"/>
+        <pc:sldMkLst>
+          <pc:docMk/>
+          <pc:sldMk cId="676895106" sldId="259"/>
+        </pc:sldMkLst>
+        <pc:spChg chg="mod">
+          <ac:chgData name="Daniel Bourcier Blake" userId="1f43f700-ed1d-42f0-b765-8f68b4d6f965" providerId="ADAL" clId="{DF2AF9AC-18FA-4262-8DF2-A99287A49EF3}" dt="2025-12-03T18:30:38.344" v="39" actId="20577"/>
+          <ac:spMkLst>
+            <pc:docMk/>
+            <pc:sldMk cId="676895106" sldId="259"/>
+            <ac:spMk id="2" creationId="{7C4D69CF-4217-5DD2-3CD7-F33E9F381DED}"/>
+          </ac:spMkLst>
+        </pc:spChg>
+      </pc:sldChg>
+      <pc:sldChg chg="modSp new mod">
+        <pc:chgData name="Daniel Bourcier Blake" userId="1f43f700-ed1d-42f0-b765-8f68b4d6f965" providerId="ADAL" clId="{DF2AF9AC-18FA-4262-8DF2-A99287A49EF3}" dt="2025-12-03T18:30:49.666" v="58" actId="20577"/>
+        <pc:sldMkLst>
+          <pc:docMk/>
+          <pc:sldMk cId="3990447980" sldId="260"/>
+        </pc:sldMkLst>
+        <pc:spChg chg="mod">
+          <ac:chgData name="Daniel Bourcier Blake" userId="1f43f700-ed1d-42f0-b765-8f68b4d6f965" providerId="ADAL" clId="{DF2AF9AC-18FA-4262-8DF2-A99287A49EF3}" dt="2025-12-03T18:30:49.666" v="58" actId="20577"/>
+          <ac:spMkLst>
+            <pc:docMk/>
+            <pc:sldMk cId="3990447980" sldId="260"/>
+            <ac:spMk id="2" creationId="{1BD431CC-AC0F-A251-E8BC-6AC66DCF0821}"/>
+          </ac:spMkLst>
+        </pc:spChg>
+      </pc:sldChg>
+      <pc:sldChg chg="modSp new mod">
+        <pc:chgData name="Daniel Bourcier Blake" userId="1f43f700-ed1d-42f0-b765-8f68b4d6f965" providerId="ADAL" clId="{DF2AF9AC-18FA-4262-8DF2-A99287A49EF3}" dt="2025-12-03T18:30:54.570" v="69" actId="20577"/>
+        <pc:sldMkLst>
+          <pc:docMk/>
+          <pc:sldMk cId="3779872932" sldId="261"/>
+        </pc:sldMkLst>
+        <pc:spChg chg="mod">
+          <ac:chgData name="Daniel Bourcier Blake" userId="1f43f700-ed1d-42f0-b765-8f68b4d6f965" providerId="ADAL" clId="{DF2AF9AC-18FA-4262-8DF2-A99287A49EF3}" dt="2025-12-03T18:30:54.570" v="69" actId="20577"/>
+          <ac:spMkLst>
+            <pc:docMk/>
+            <pc:sldMk cId="3779872932" sldId="261"/>
+            <ac:spMk id="2" creationId="{C5280904-2BE2-D3CE-F127-EC11BF12EBF0}"/>
+          </ac:spMkLst>
+        </pc:spChg>
+      </pc:sldChg>
+      <pc:sldChg chg="modSp new mod">
+        <pc:chgData name="Daniel Bourcier Blake" userId="1f43f700-ed1d-42f0-b765-8f68b4d6f965" providerId="ADAL" clId="{DF2AF9AC-18FA-4262-8DF2-A99287A49EF3}" dt="2025-12-03T18:38:39.564" v="81" actId="20577"/>
+        <pc:sldMkLst>
+          <pc:docMk/>
+          <pc:sldMk cId="1574182385" sldId="262"/>
+        </pc:sldMkLst>
+        <pc:spChg chg="mod">
+          <ac:chgData name="Daniel Bourcier Blake" userId="1f43f700-ed1d-42f0-b765-8f68b4d6f965" providerId="ADAL" clId="{DF2AF9AC-18FA-4262-8DF2-A99287A49EF3}" dt="2025-12-03T18:38:39.564" v="81" actId="20577"/>
+          <ac:spMkLst>
+            <pc:docMk/>
+            <pc:sldMk cId="1574182385" sldId="262"/>
+            <ac:spMk id="2" creationId="{33B20054-F8A1-3EBA-8A48-25CB0B620BEA}"/>
+          </ac:spMkLst>
+        </pc:spChg>
+      </pc:sldChg>
+    </pc:docChg>
+  </pc:docChgLst>
+</pc:chgInfo>
 </file>
 
 <file path=ppt/slideLayouts/slideLayout1.xml><?xml version="1.0" encoding="utf-8"?>
@@ -257,7 +371,7 @@
           <a:p>
             <a:fld id="{7BAD181A-147A-4BA8-AE4F-89058652C8AD}" type="datetimeFigureOut">
               <a:rPr lang="fr-CA" smtClean="0"/>
-              <a:t>2025-11-29</a:t>
+              <a:t>2025-12-03</a:t>
             </a:fld>
             <a:endParaRPr lang="fr-CA"/>
           </a:p>
@@ -457,7 +571,7 @@
           <a:p>
             <a:fld id="{7BAD181A-147A-4BA8-AE4F-89058652C8AD}" type="datetimeFigureOut">
               <a:rPr lang="fr-CA" smtClean="0"/>
-              <a:t>2025-11-29</a:t>
+              <a:t>2025-12-03</a:t>
             </a:fld>
             <a:endParaRPr lang="fr-CA"/>
           </a:p>
@@ -667,7 +781,7 @@
           <a:p>
             <a:fld id="{7BAD181A-147A-4BA8-AE4F-89058652C8AD}" type="datetimeFigureOut">
               <a:rPr lang="fr-CA" smtClean="0"/>
-              <a:t>2025-11-29</a:t>
+              <a:t>2025-12-03</a:t>
             </a:fld>
             <a:endParaRPr lang="fr-CA"/>
           </a:p>
@@ -867,7 +981,7 @@
           <a:p>
             <a:fld id="{7BAD181A-147A-4BA8-AE4F-89058652C8AD}" type="datetimeFigureOut">
               <a:rPr lang="fr-CA" smtClean="0"/>
-              <a:t>2025-11-29</a:t>
+              <a:t>2025-12-03</a:t>
             </a:fld>
             <a:endParaRPr lang="fr-CA"/>
           </a:p>
@@ -1143,7 +1257,7 @@
           <a:p>
             <a:fld id="{7BAD181A-147A-4BA8-AE4F-89058652C8AD}" type="datetimeFigureOut">
               <a:rPr lang="fr-CA" smtClean="0"/>
-              <a:t>2025-11-29</a:t>
+              <a:t>2025-12-03</a:t>
             </a:fld>
             <a:endParaRPr lang="fr-CA"/>
           </a:p>
@@ -1411,7 +1525,7 @@
           <a:p>
             <a:fld id="{7BAD181A-147A-4BA8-AE4F-89058652C8AD}" type="datetimeFigureOut">
               <a:rPr lang="fr-CA" smtClean="0"/>
-              <a:t>2025-11-29</a:t>
+              <a:t>2025-12-03</a:t>
             </a:fld>
             <a:endParaRPr lang="fr-CA"/>
           </a:p>
@@ -1826,7 +1940,7 @@
           <a:p>
             <a:fld id="{7BAD181A-147A-4BA8-AE4F-89058652C8AD}" type="datetimeFigureOut">
               <a:rPr lang="fr-CA" smtClean="0"/>
-              <a:t>2025-11-29</a:t>
+              <a:t>2025-12-03</a:t>
             </a:fld>
             <a:endParaRPr lang="fr-CA"/>
           </a:p>
@@ -1968,7 +2082,7 @@
           <a:p>
             <a:fld id="{7BAD181A-147A-4BA8-AE4F-89058652C8AD}" type="datetimeFigureOut">
               <a:rPr lang="fr-CA" smtClean="0"/>
-              <a:t>2025-11-29</a:t>
+              <a:t>2025-12-03</a:t>
             </a:fld>
             <a:endParaRPr lang="fr-CA"/>
           </a:p>
@@ -2081,7 +2195,7 @@
           <a:p>
             <a:fld id="{7BAD181A-147A-4BA8-AE4F-89058652C8AD}" type="datetimeFigureOut">
               <a:rPr lang="fr-CA" smtClean="0"/>
-              <a:t>2025-11-29</a:t>
+              <a:t>2025-12-03</a:t>
             </a:fld>
             <a:endParaRPr lang="fr-CA"/>
           </a:p>
@@ -2394,7 +2508,7 @@
           <a:p>
             <a:fld id="{7BAD181A-147A-4BA8-AE4F-89058652C8AD}" type="datetimeFigureOut">
               <a:rPr lang="fr-CA" smtClean="0"/>
-              <a:t>2025-11-29</a:t>
+              <a:t>2025-12-03</a:t>
             </a:fld>
             <a:endParaRPr lang="fr-CA"/>
           </a:p>
@@ -2683,7 +2797,7 @@
           <a:p>
             <a:fld id="{7BAD181A-147A-4BA8-AE4F-89058652C8AD}" type="datetimeFigureOut">
               <a:rPr lang="fr-CA" smtClean="0"/>
-              <a:t>2025-11-29</a:t>
+              <a:t>2025-12-03</a:t>
             </a:fld>
             <a:endParaRPr lang="fr-CA"/>
           </a:p>
@@ -2926,7 +3040,7 @@
           <a:p>
             <a:fld id="{7BAD181A-147A-4BA8-AE4F-89058652C8AD}" type="datetimeFigureOut">
               <a:rPr lang="fr-CA" smtClean="0"/>
-              <a:t>2025-11-29</a:t>
+              <a:t>2025-12-03</a:t>
             </a:fld>
             <a:endParaRPr lang="fr-CA"/>
           </a:p>
@@ -3466,7 +3580,10 @@
           <a:bodyPr/>
           <a:lstStyle/>
           <a:p>
-            <a:endParaRPr lang="fr-CA"/>
+            <a:r>
+              <a:rPr lang="fr-CA" dirty="0"/>
+              <a:t>Introduction</a:t>
+            </a:r>
           </a:p>
         </p:txBody>
       </p:sp>
@@ -3499,6 +3616,421 @@
     <p:extLst>
       <p:ext uri="{BB962C8B-B14F-4D97-AF65-F5344CB8AC3E}">
         <p14:creationId xmlns:p14="http://schemas.microsoft.com/office/powerpoint/2010/main" val="197925552"/>
+      </p:ext>
+    </p:extLst>
+  </p:cSld>
+  <p:clrMapOvr>
+    <a:masterClrMapping/>
+  </p:clrMapOvr>
+</p:sld>
+</file>
+
+<file path=ppt/slides/slide3.xml><?xml version="1.0" encoding="utf-8"?>
+<p:sld xmlns:a="http://schemas.openxmlformats.org/drawingml/2006/main" xmlns:r="http://schemas.openxmlformats.org/officeDocument/2006/relationships" xmlns:p="http://schemas.openxmlformats.org/presentationml/2006/main">
+  <p:cSld>
+    <p:spTree>
+      <p:nvGrpSpPr>
+        <p:cNvPr id="1" name=""/>
+        <p:cNvGrpSpPr/>
+        <p:nvPr/>
+      </p:nvGrpSpPr>
+      <p:grpSpPr>
+        <a:xfrm>
+          <a:off x="0" y="0"/>
+          <a:ext cx="0" cy="0"/>
+          <a:chOff x="0" y="0"/>
+          <a:chExt cx="0" cy="0"/>
+        </a:xfrm>
+      </p:grpSpPr>
+      <p:sp>
+        <p:nvSpPr>
+          <p:cNvPr id="2" name="Titre 1">
+            <a:extLst>
+              <a:ext uri="{FF2B5EF4-FFF2-40B4-BE49-F238E27FC236}">
+                <a16:creationId xmlns:a16="http://schemas.microsoft.com/office/drawing/2014/main" id="{1BD431CC-AC0F-A251-E8BC-6AC66DCF0821}"/>
+              </a:ext>
+            </a:extLst>
+          </p:cNvPr>
+          <p:cNvSpPr>
+            <a:spLocks noGrp="1"/>
+          </p:cNvSpPr>
+          <p:nvPr>
+            <p:ph type="title"/>
+          </p:nvPr>
+        </p:nvSpPr>
+        <p:spPr/>
+        <p:txBody>
+          <a:bodyPr/>
+          <a:lstStyle/>
+          <a:p>
+            <a:r>
+              <a:rPr lang="fr-CA" dirty="0"/>
+              <a:t>Classification</a:t>
+            </a:r>
+          </a:p>
+        </p:txBody>
+      </p:sp>
+      <p:sp>
+        <p:nvSpPr>
+          <p:cNvPr id="3" name="Espace réservé du contenu 2">
+            <a:extLst>
+              <a:ext uri="{FF2B5EF4-FFF2-40B4-BE49-F238E27FC236}">
+                <a16:creationId xmlns:a16="http://schemas.microsoft.com/office/drawing/2014/main" id="{815A6D13-C08B-3138-C7FF-A0BFA71A3584}"/>
+              </a:ext>
+            </a:extLst>
+          </p:cNvPr>
+          <p:cNvSpPr>
+            <a:spLocks noGrp="1"/>
+          </p:cNvSpPr>
+          <p:nvPr>
+            <p:ph idx="1"/>
+          </p:nvPr>
+        </p:nvSpPr>
+        <p:spPr/>
+        <p:txBody>
+          <a:bodyPr/>
+          <a:lstStyle/>
+          <a:p>
+            <a:endParaRPr lang="fr-CA"/>
+          </a:p>
+        </p:txBody>
+      </p:sp>
+    </p:spTree>
+    <p:extLst>
+      <p:ext uri="{BB962C8B-B14F-4D97-AF65-F5344CB8AC3E}">
+        <p14:creationId xmlns:p14="http://schemas.microsoft.com/office/powerpoint/2010/main" val="3990447980"/>
+      </p:ext>
+    </p:extLst>
+  </p:cSld>
+  <p:clrMapOvr>
+    <a:masterClrMapping/>
+  </p:clrMapOvr>
+</p:sld>
+</file>
+
+<file path=ppt/slides/slide4.xml><?xml version="1.0" encoding="utf-8"?>
+<p:sld xmlns:a="http://schemas.openxmlformats.org/drawingml/2006/main" xmlns:r="http://schemas.openxmlformats.org/officeDocument/2006/relationships" xmlns:p="http://schemas.openxmlformats.org/presentationml/2006/main">
+  <p:cSld>
+    <p:spTree>
+      <p:nvGrpSpPr>
+        <p:cNvPr id="1" name=""/>
+        <p:cNvGrpSpPr/>
+        <p:nvPr/>
+      </p:nvGrpSpPr>
+      <p:grpSpPr>
+        <a:xfrm>
+          <a:off x="0" y="0"/>
+          <a:ext cx="0" cy="0"/>
+          <a:chOff x="0" y="0"/>
+          <a:chExt cx="0" cy="0"/>
+        </a:xfrm>
+      </p:grpSpPr>
+      <p:sp>
+        <p:nvSpPr>
+          <p:cNvPr id="2" name="Titre 1">
+            <a:extLst>
+              <a:ext uri="{FF2B5EF4-FFF2-40B4-BE49-F238E27FC236}">
+                <a16:creationId xmlns:a16="http://schemas.microsoft.com/office/drawing/2014/main" id="{C5280904-2BE2-D3CE-F127-EC11BF12EBF0}"/>
+              </a:ext>
+            </a:extLst>
+          </p:cNvPr>
+          <p:cNvSpPr>
+            <a:spLocks noGrp="1"/>
+          </p:cNvSpPr>
+          <p:nvPr>
+            <p:ph type="title"/>
+          </p:nvPr>
+        </p:nvSpPr>
+        <p:spPr/>
+        <p:txBody>
+          <a:bodyPr/>
+          <a:lstStyle/>
+          <a:p>
+            <a:r>
+              <a:rPr lang="fr-CA" dirty="0"/>
+              <a:t>Régression</a:t>
+            </a:r>
+          </a:p>
+        </p:txBody>
+      </p:sp>
+      <p:sp>
+        <p:nvSpPr>
+          <p:cNvPr id="3" name="Espace réservé du contenu 2">
+            <a:extLst>
+              <a:ext uri="{FF2B5EF4-FFF2-40B4-BE49-F238E27FC236}">
+                <a16:creationId xmlns:a16="http://schemas.microsoft.com/office/drawing/2014/main" id="{D7522CD1-142A-5DD7-EE54-0088C8A62BD3}"/>
+              </a:ext>
+            </a:extLst>
+          </p:cNvPr>
+          <p:cNvSpPr>
+            <a:spLocks noGrp="1"/>
+          </p:cNvSpPr>
+          <p:nvPr>
+            <p:ph idx="1"/>
+          </p:nvPr>
+        </p:nvSpPr>
+        <p:spPr/>
+        <p:txBody>
+          <a:bodyPr/>
+          <a:lstStyle/>
+          <a:p>
+            <a:endParaRPr lang="fr-CA"/>
+          </a:p>
+        </p:txBody>
+      </p:sp>
+    </p:spTree>
+    <p:extLst>
+      <p:ext uri="{BB962C8B-B14F-4D97-AF65-F5344CB8AC3E}">
+        <p14:creationId xmlns:p14="http://schemas.microsoft.com/office/powerpoint/2010/main" val="3779872932"/>
+      </p:ext>
+    </p:extLst>
+  </p:cSld>
+  <p:clrMapOvr>
+    <a:masterClrMapping/>
+  </p:clrMapOvr>
+</p:sld>
+</file>
+
+<file path=ppt/slides/slide5.xml><?xml version="1.0" encoding="utf-8"?>
+<p:sld xmlns:a="http://schemas.openxmlformats.org/drawingml/2006/main" xmlns:r="http://schemas.openxmlformats.org/officeDocument/2006/relationships" xmlns:p="http://schemas.openxmlformats.org/presentationml/2006/main">
+  <p:cSld>
+    <p:spTree>
+      <p:nvGrpSpPr>
+        <p:cNvPr id="1" name=""/>
+        <p:cNvGrpSpPr/>
+        <p:nvPr/>
+      </p:nvGrpSpPr>
+      <p:grpSpPr>
+        <a:xfrm>
+          <a:off x="0" y="0"/>
+          <a:ext cx="0" cy="0"/>
+          <a:chOff x="0" y="0"/>
+          <a:chExt cx="0" cy="0"/>
+        </a:xfrm>
+      </p:grpSpPr>
+      <p:sp>
+        <p:nvSpPr>
+          <p:cNvPr id="2" name="Titre 1">
+            <a:extLst>
+              <a:ext uri="{FF2B5EF4-FFF2-40B4-BE49-F238E27FC236}">
+                <a16:creationId xmlns:a16="http://schemas.microsoft.com/office/drawing/2014/main" id="{7C4D69CF-4217-5DD2-3CD7-F33E9F381DED}"/>
+              </a:ext>
+            </a:extLst>
+          </p:cNvPr>
+          <p:cNvSpPr>
+            <a:spLocks noGrp="1"/>
+          </p:cNvSpPr>
+          <p:nvPr>
+            <p:ph type="title"/>
+          </p:nvPr>
+        </p:nvSpPr>
+        <p:spPr/>
+        <p:txBody>
+          <a:bodyPr/>
+          <a:lstStyle/>
+          <a:p>
+            <a:r>
+              <a:rPr lang="fr-CA" dirty="0"/>
+              <a:t>Clustering</a:t>
+            </a:r>
+          </a:p>
+        </p:txBody>
+      </p:sp>
+      <p:sp>
+        <p:nvSpPr>
+          <p:cNvPr id="3" name="Espace réservé du contenu 2">
+            <a:extLst>
+              <a:ext uri="{FF2B5EF4-FFF2-40B4-BE49-F238E27FC236}">
+                <a16:creationId xmlns:a16="http://schemas.microsoft.com/office/drawing/2014/main" id="{BD5C14A5-6A77-1B61-2C7F-78F23DD90898}"/>
+              </a:ext>
+            </a:extLst>
+          </p:cNvPr>
+          <p:cNvSpPr>
+            <a:spLocks noGrp="1"/>
+          </p:cNvSpPr>
+          <p:nvPr>
+            <p:ph idx="1"/>
+          </p:nvPr>
+        </p:nvSpPr>
+        <p:spPr/>
+        <p:txBody>
+          <a:bodyPr/>
+          <a:lstStyle/>
+          <a:p>
+            <a:endParaRPr lang="fr-CA"/>
+          </a:p>
+        </p:txBody>
+      </p:sp>
+    </p:spTree>
+    <p:extLst>
+      <p:ext uri="{BB962C8B-B14F-4D97-AF65-F5344CB8AC3E}">
+        <p14:creationId xmlns:p14="http://schemas.microsoft.com/office/powerpoint/2010/main" val="676895106"/>
+      </p:ext>
+    </p:extLst>
+  </p:cSld>
+  <p:clrMapOvr>
+    <a:masterClrMapping/>
+  </p:clrMapOvr>
+</p:sld>
+</file>
+
+<file path=ppt/slides/slide6.xml><?xml version="1.0" encoding="utf-8"?>
+<p:sld xmlns:a="http://schemas.openxmlformats.org/drawingml/2006/main" xmlns:r="http://schemas.openxmlformats.org/officeDocument/2006/relationships" xmlns:p="http://schemas.openxmlformats.org/presentationml/2006/main">
+  <p:cSld>
+    <p:spTree>
+      <p:nvGrpSpPr>
+        <p:cNvPr id="1" name=""/>
+        <p:cNvGrpSpPr/>
+        <p:nvPr/>
+      </p:nvGrpSpPr>
+      <p:grpSpPr>
+        <a:xfrm>
+          <a:off x="0" y="0"/>
+          <a:ext cx="0" cy="0"/>
+          <a:chOff x="0" y="0"/>
+          <a:chExt cx="0" cy="0"/>
+        </a:xfrm>
+      </p:grpSpPr>
+      <p:sp>
+        <p:nvSpPr>
+          <p:cNvPr id="2" name="Titre 1">
+            <a:extLst>
+              <a:ext uri="{FF2B5EF4-FFF2-40B4-BE49-F238E27FC236}">
+                <a16:creationId xmlns:a16="http://schemas.microsoft.com/office/drawing/2014/main" id="{33B20054-F8A1-3EBA-8A48-25CB0B620BEA}"/>
+              </a:ext>
+            </a:extLst>
+          </p:cNvPr>
+          <p:cNvSpPr>
+            <a:spLocks noGrp="1"/>
+          </p:cNvSpPr>
+          <p:nvPr>
+            <p:ph type="title"/>
+          </p:nvPr>
+        </p:nvSpPr>
+        <p:spPr/>
+        <p:txBody>
+          <a:bodyPr/>
+          <a:lstStyle/>
+          <a:p>
+            <a:r>
+              <a:rPr lang="fr-CA" dirty="0"/>
+              <a:t>Ensembles</a:t>
+            </a:r>
+          </a:p>
+        </p:txBody>
+      </p:sp>
+      <p:sp>
+        <p:nvSpPr>
+          <p:cNvPr id="3" name="Espace réservé du contenu 2">
+            <a:extLst>
+              <a:ext uri="{FF2B5EF4-FFF2-40B4-BE49-F238E27FC236}">
+                <a16:creationId xmlns:a16="http://schemas.microsoft.com/office/drawing/2014/main" id="{A8ED903B-0333-6C53-7DA4-2C1D56422DDF}"/>
+              </a:ext>
+            </a:extLst>
+          </p:cNvPr>
+          <p:cNvSpPr>
+            <a:spLocks noGrp="1"/>
+          </p:cNvSpPr>
+          <p:nvPr>
+            <p:ph idx="1"/>
+          </p:nvPr>
+        </p:nvSpPr>
+        <p:spPr/>
+        <p:txBody>
+          <a:bodyPr/>
+          <a:lstStyle/>
+          <a:p>
+            <a:endParaRPr lang="fr-CA"/>
+          </a:p>
+        </p:txBody>
+      </p:sp>
+    </p:spTree>
+    <p:extLst>
+      <p:ext uri="{BB962C8B-B14F-4D97-AF65-F5344CB8AC3E}">
+        <p14:creationId xmlns:p14="http://schemas.microsoft.com/office/powerpoint/2010/main" val="1574182385"/>
+      </p:ext>
+    </p:extLst>
+  </p:cSld>
+  <p:clrMapOvr>
+    <a:masterClrMapping/>
+  </p:clrMapOvr>
+</p:sld>
+</file>
+
+<file path=ppt/slides/slide7.xml><?xml version="1.0" encoding="utf-8"?>
+<p:sld xmlns:a="http://schemas.openxmlformats.org/drawingml/2006/main" xmlns:r="http://schemas.openxmlformats.org/officeDocument/2006/relationships" xmlns:p="http://schemas.openxmlformats.org/presentationml/2006/main">
+  <p:cSld>
+    <p:spTree>
+      <p:nvGrpSpPr>
+        <p:cNvPr id="1" name=""/>
+        <p:cNvGrpSpPr/>
+        <p:nvPr/>
+      </p:nvGrpSpPr>
+      <p:grpSpPr>
+        <a:xfrm>
+          <a:off x="0" y="0"/>
+          <a:ext cx="0" cy="0"/>
+          <a:chOff x="0" y="0"/>
+          <a:chExt cx="0" cy="0"/>
+        </a:xfrm>
+      </p:grpSpPr>
+      <p:sp>
+        <p:nvSpPr>
+          <p:cNvPr id="2" name="Titre 1">
+            <a:extLst>
+              <a:ext uri="{FF2B5EF4-FFF2-40B4-BE49-F238E27FC236}">
+                <a16:creationId xmlns:a16="http://schemas.microsoft.com/office/drawing/2014/main" id="{3ACEFEAB-1413-C517-714F-DF0FEAF10E8E}"/>
+              </a:ext>
+            </a:extLst>
+          </p:cNvPr>
+          <p:cNvSpPr>
+            <a:spLocks noGrp="1"/>
+          </p:cNvSpPr>
+          <p:nvPr>
+            <p:ph type="title"/>
+          </p:nvPr>
+        </p:nvSpPr>
+        <p:spPr/>
+        <p:txBody>
+          <a:bodyPr/>
+          <a:lstStyle/>
+          <a:p>
+            <a:r>
+              <a:rPr lang="fr-CA" dirty="0"/>
+              <a:t>Conclusion</a:t>
+            </a:r>
+          </a:p>
+        </p:txBody>
+      </p:sp>
+      <p:sp>
+        <p:nvSpPr>
+          <p:cNvPr id="3" name="Espace réservé du contenu 2">
+            <a:extLst>
+              <a:ext uri="{FF2B5EF4-FFF2-40B4-BE49-F238E27FC236}">
+                <a16:creationId xmlns:a16="http://schemas.microsoft.com/office/drawing/2014/main" id="{659BB183-73D9-2111-786D-FF196D7BCB7E}"/>
+              </a:ext>
+            </a:extLst>
+          </p:cNvPr>
+          <p:cNvSpPr>
+            <a:spLocks noGrp="1"/>
+          </p:cNvSpPr>
+          <p:nvPr>
+            <p:ph idx="1"/>
+          </p:nvPr>
+        </p:nvSpPr>
+        <p:spPr/>
+        <p:txBody>
+          <a:bodyPr/>
+          <a:lstStyle/>
+          <a:p>
+            <a:endParaRPr lang="fr-CA"/>
+          </a:p>
+        </p:txBody>
+      </p:sp>
+    </p:spTree>
+    <p:extLst>
+      <p:ext uri="{BB962C8B-B14F-4D97-AF65-F5344CB8AC3E}">
+        <p14:creationId xmlns:p14="http://schemas.microsoft.com/office/powerpoint/2010/main" val="2651712627"/>
       </p:ext>
     </p:extLst>
   </p:cSld>
